--- a/KT_coding_masters/2차 코딩마스터즈/anti multuply array(해시테이블).pptx
+++ b/KT_coding_masters/2차 코딩마스터즈/anti multuply array(해시테이블).pptx
@@ -365,7 +365,7 @@
           <a:p>
             <a:fld id="{E4DD5EE2-0F71-437D-9438-13CCE6E2D3A4}" type="datetimeFigureOut">
               <a:rPr lang="ko-KR" altLang="en-US" smtClean="0"/>
-              <a:t>2024-12-09</a:t>
+              <a:t>2024-12-10</a:t>
             </a:fld>
             <a:endParaRPr lang="ko-KR" altLang="en-US"/>
           </a:p>
@@ -4505,7 +4505,7 @@
           <a:p>
             <a:fld id="{75239EA2-55BD-42D9-A3B3-20D6D22715F0}" type="datetimeFigureOut">
               <a:rPr lang="ko-KR" altLang="en-US" smtClean="0"/>
-              <a:t>2024-12-09</a:t>
+              <a:t>2024-12-10</a:t>
             </a:fld>
             <a:endParaRPr lang="ko-KR" altLang="en-US"/>
           </a:p>
@@ -6234,10 +6234,40 @@
               </a:lnSpc>
             </a:pPr>
             <a:r>
+              <a:rPr lang="en-US" altLang="ko-KR" sz="3200" dirty="0">
+                <a:latin typeface="system-ui"/>
+              </a:rPr>
+              <a:t>Anti</a:t>
+            </a:r>
+            <a:r>
               <a:rPr lang="ko-KR" altLang="en-US" sz="3200" dirty="0">
                 <a:latin typeface="system-ui"/>
               </a:rPr>
-              <a:t>일차원 세계의 섬 </a:t>
+              <a:t> </a:t>
+            </a:r>
+            <a:r>
+              <a:rPr lang="en-US" altLang="ko-KR" sz="3200" dirty="0">
+                <a:latin typeface="system-ui"/>
+              </a:rPr>
+              <a:t>Multiply</a:t>
+            </a:r>
+            <a:r>
+              <a:rPr lang="ko-KR" altLang="en-US" sz="3200" dirty="0">
+                <a:latin typeface="system-ui"/>
+              </a:rPr>
+              <a:t> </a:t>
+            </a:r>
+            <a:r>
+              <a:rPr lang="en-US" altLang="ko-KR" sz="3200" dirty="0">
+                <a:latin typeface="system-ui"/>
+              </a:rPr>
+              <a:t>Array</a:t>
+            </a:r>
+            <a:r>
+              <a:rPr lang="ko-KR" altLang="en-US" sz="3200" dirty="0">
+                <a:latin typeface="system-ui"/>
+              </a:rPr>
+              <a:t> </a:t>
             </a:r>
             <a:r>
               <a:rPr lang="en-US" altLang="ko-KR" sz="3200" dirty="0">
@@ -8605,6 +8635,26 @@
 </file>
 
 <file path=customXml/item1.xml><?xml version="1.0" encoding="utf-8"?>
+<p:properties xmlns:p="http://schemas.microsoft.com/office/2006/metadata/properties" xmlns:xsi="http://www.w3.org/2001/XMLSchema-instance" xmlns:pc="http://schemas.microsoft.com/office/infopath/2007/PartnerControls">
+  <documentManagement>
+    <TaxCatchAll xmlns="9114dcef-bd0d-459c-b9d7-fc63398cdbee" xsi:nil="true"/>
+    <lcf76f155ced4ddcb4097134ff3c332f xmlns="1857a468-9f2d-455b-8425-136ceb0ac253">
+      <Terms xmlns="http://schemas.microsoft.com/office/infopath/2007/PartnerControls"/>
+    </lcf76f155ced4ddcb4097134ff3c332f>
+  </documentManagement>
+</p:properties>
+</file>
+
+<file path=customXml/item2.xml><?xml version="1.0" encoding="utf-8"?>
+<?mso-contentType ?>
+<FormTemplates xmlns="http://schemas.microsoft.com/sharepoint/v3/contenttype/forms">
+  <Display>DocumentLibraryForm</Display>
+  <Edit>DocumentLibraryForm</Edit>
+  <New>DocumentLibraryForm</New>
+</FormTemplates>
+</file>
+
+<file path=customXml/item3.xml><?xml version="1.0" encoding="utf-8"?>
 <ct:contentTypeSchema xmlns:ct="http://schemas.microsoft.com/office/2006/metadata/contentType" xmlns:ma="http://schemas.microsoft.com/office/2006/metadata/properties/metaAttributes" ct:_="" ma:_="" ma:contentTypeName="문서" ma:contentTypeID="0x010100661AA2C327A4324587CA5B8F932705FD" ma:contentTypeVersion="16" ma:contentTypeDescription="새 문서를 만듭니다." ma:contentTypeScope="" ma:versionID="e9974894dc087bc702e39d51fac416ef">
   <xsd:schema xmlns:xsd="http://www.w3.org/2001/XMLSchema" xmlns:xs="http://www.w3.org/2001/XMLSchema" xmlns:p="http://schemas.microsoft.com/office/2006/metadata/properties" xmlns:ns2="1857a468-9f2d-455b-8425-136ceb0ac253" xmlns:ns3="9114dcef-bd0d-459c-b9d7-fc63398cdbee" targetNamespace="http://schemas.microsoft.com/office/2006/metadata/properties" ma:root="true" ma:fieldsID="41cd493e84cfcb347ae251f59b06abf5" ns2:_="" ns3:_="">
     <xsd:import namespace="1857a468-9f2d-455b-8425-136ceb0ac253"/>
@@ -8845,27 +8895,32 @@
 </ct:contentTypeSchema>
 </file>
 
-<file path=customXml/item2.xml><?xml version="1.0" encoding="utf-8"?>
-<?mso-contentType ?>
-<FormTemplates xmlns="http://schemas.microsoft.com/sharepoint/v3/contenttype/forms">
-  <Display>DocumentLibraryForm</Display>
-  <Edit>DocumentLibraryForm</Edit>
-  <New>DocumentLibraryForm</New>
-</FormTemplates>
+<file path=customXml/itemProps1.xml><?xml version="1.0" encoding="utf-8"?>
+<ds:datastoreItem xmlns:ds="http://schemas.openxmlformats.org/officeDocument/2006/customXml" ds:itemID="{C474F5F0-E47C-4CD4-9BF1-D80ACD90DC05}">
+  <ds:schemaRefs>
+    <ds:schemaRef ds:uri="http://purl.org/dc/dcmitype/"/>
+    <ds:schemaRef ds:uri="http://schemas.microsoft.com/office/2006/documentManagement/types"/>
+    <ds:schemaRef ds:uri="9114dcef-bd0d-459c-b9d7-fc63398cdbee"/>
+    <ds:schemaRef ds:uri="http://www.w3.org/XML/1998/namespace"/>
+    <ds:schemaRef ds:uri="http://purl.org/dc/elements/1.1/"/>
+    <ds:schemaRef ds:uri="http://purl.org/dc/terms/"/>
+    <ds:schemaRef ds:uri="http://schemas.microsoft.com/office/2006/metadata/properties"/>
+    <ds:schemaRef ds:uri="http://schemas.microsoft.com/office/infopath/2007/PartnerControls"/>
+    <ds:schemaRef ds:uri="http://schemas.openxmlformats.org/package/2006/metadata/core-properties"/>
+    <ds:schemaRef ds:uri="1857a468-9f2d-455b-8425-136ceb0ac253"/>
+  </ds:schemaRefs>
+</ds:datastoreItem>
 </file>
 
-<file path=customXml/item3.xml><?xml version="1.0" encoding="utf-8"?>
-<p:properties xmlns:p="http://schemas.microsoft.com/office/2006/metadata/properties" xmlns:xsi="http://www.w3.org/2001/XMLSchema-instance" xmlns:pc="http://schemas.microsoft.com/office/infopath/2007/PartnerControls">
-  <documentManagement>
-    <TaxCatchAll xmlns="9114dcef-bd0d-459c-b9d7-fc63398cdbee" xsi:nil="true"/>
-    <lcf76f155ced4ddcb4097134ff3c332f xmlns="1857a468-9f2d-455b-8425-136ceb0ac253">
-      <Terms xmlns="http://schemas.microsoft.com/office/infopath/2007/PartnerControls"/>
-    </lcf76f155ced4ddcb4097134ff3c332f>
-  </documentManagement>
-</p:properties>
+<file path=customXml/itemProps2.xml><?xml version="1.0" encoding="utf-8"?>
+<ds:datastoreItem xmlns:ds="http://schemas.openxmlformats.org/officeDocument/2006/customXml" ds:itemID="{EB6E4AB4-6812-4825-A477-08F4E470421C}">
+  <ds:schemaRefs>
+    <ds:schemaRef ds:uri="http://schemas.microsoft.com/sharepoint/v3/contenttype/forms"/>
+  </ds:schemaRefs>
+</ds:datastoreItem>
 </file>
 
-<file path=customXml/itemProps1.xml><?xml version="1.0" encoding="utf-8"?>
+<file path=customXml/itemProps3.xml><?xml version="1.0" encoding="utf-8"?>
 <ds:datastoreItem xmlns:ds="http://schemas.openxmlformats.org/officeDocument/2006/customXml" ds:itemID="{E29138D2-7D62-4711-8DD2-E2A210C093A0}">
   <ds:schemaRefs>
     <ds:schemaRef ds:uri="http://schemas.microsoft.com/office/2006/metadata/contentType"/>
@@ -8882,29 +8937,4 @@
     <ds:schemaRef ds:uri="http://schemas.microsoft.com/internal/obd"/>
   </ds:schemaRefs>
 </ds:datastoreItem>
-</file>
-
-<file path=customXml/itemProps2.xml><?xml version="1.0" encoding="utf-8"?>
-<ds:datastoreItem xmlns:ds="http://schemas.openxmlformats.org/officeDocument/2006/customXml" ds:itemID="{EB6E4AB4-6812-4825-A477-08F4E470421C}">
-  <ds:schemaRefs>
-    <ds:schemaRef ds:uri="http://schemas.microsoft.com/sharepoint/v3/contenttype/forms"/>
-  </ds:schemaRefs>
-</ds:datastoreItem>
-</file>
-
-<file path=customXml/itemProps3.xml><?xml version="1.0" encoding="utf-8"?>
-<ds:datastoreItem xmlns:ds="http://schemas.openxmlformats.org/officeDocument/2006/customXml" ds:itemID="{C474F5F0-E47C-4CD4-9BF1-D80ACD90DC05}">
-  <ds:schemaRefs>
-    <ds:schemaRef ds:uri="http://purl.org/dc/dcmitype/"/>
-    <ds:schemaRef ds:uri="http://schemas.microsoft.com/office/2006/documentManagement/types"/>
-    <ds:schemaRef ds:uri="9114dcef-bd0d-459c-b9d7-fc63398cdbee"/>
-    <ds:schemaRef ds:uri="http://www.w3.org/XML/1998/namespace"/>
-    <ds:schemaRef ds:uri="http://purl.org/dc/elements/1.1/"/>
-    <ds:schemaRef ds:uri="http://purl.org/dc/terms/"/>
-    <ds:schemaRef ds:uri="http://schemas.microsoft.com/office/2006/metadata/properties"/>
-    <ds:schemaRef ds:uri="http://schemas.microsoft.com/office/infopath/2007/PartnerControls"/>
-    <ds:schemaRef ds:uri="http://schemas.openxmlformats.org/package/2006/metadata/core-properties"/>
-    <ds:schemaRef ds:uri="1857a468-9f2d-455b-8425-136ceb0ac253"/>
-  </ds:schemaRefs>
-</ds:datastoreItem>
 </file>